--- a/Docs/Powerpoints/PPP, Week 2, Meeting 1.pptx
+++ b/Docs/Powerpoints/PPP, Week 2, Meeting 1.pptx
@@ -5,7 +5,7 @@
     <p:sldMasterId id="2147483672" r:id="rId1"/>
   </p:sldMasterIdLst>
   <p:notesMasterIdLst>
-    <p:notesMasterId r:id="rId19"/>
+    <p:notesMasterId r:id="rId20"/>
   </p:notesMasterIdLst>
   <p:sldIdLst>
     <p:sldId id="256" r:id="rId2"/>
@@ -21,10 +21,11 @@
     <p:sldId id="282" r:id="rId12"/>
     <p:sldId id="286" r:id="rId13"/>
     <p:sldId id="274" r:id="rId14"/>
-    <p:sldId id="288" r:id="rId15"/>
-    <p:sldId id="289" r:id="rId16"/>
-    <p:sldId id="276" r:id="rId17"/>
-    <p:sldId id="265" r:id="rId18"/>
+    <p:sldId id="290" r:id="rId15"/>
+    <p:sldId id="288" r:id="rId16"/>
+    <p:sldId id="289" r:id="rId17"/>
+    <p:sldId id="276" r:id="rId18"/>
+    <p:sldId id="265" r:id="rId19"/>
   </p:sldIdLst>
   <p:sldSz cx="12192000" cy="6858000"/>
   <p:notesSz cx="6858000" cy="9144000"/>
@@ -213,7 +214,7 @@
           <a:p>
             <a:fld id="{1E47D41A-4042-B543-AE22-1ED09200DB20}" type="datetimeFigureOut">
               <a:rPr lang="en-GB" smtClean="0"/>
-              <a:t>21/01/2020</a:t>
+              <a:t>26/01/2020</a:t>
             </a:fld>
             <a:endParaRPr lang="en-GB"/>
           </a:p>
@@ -864,7 +865,7 @@
           <a:p>
             <a:fld id="{14FA74A2-3722-1A41-8512-46265943785A}" type="datetime1">
               <a:rPr lang="nl-NL" smtClean="0"/>
-              <a:t>21-01-2020</a:t>
+              <a:t>26-1-2020</a:t>
             </a:fld>
             <a:endParaRPr lang="en-GB"/>
           </a:p>
@@ -1034,7 +1035,7 @@
           <a:p>
             <a:fld id="{F95A9C9F-8C45-7343-9CDB-F9A485B697FF}" type="datetime1">
               <a:rPr lang="nl-NL" smtClean="0"/>
-              <a:t>21-01-2020</a:t>
+              <a:t>26-1-2020</a:t>
             </a:fld>
             <a:endParaRPr lang="en-GB"/>
           </a:p>
@@ -1214,7 +1215,7 @@
           <a:p>
             <a:fld id="{F023C2D3-547E-4849-B250-ECC27C4ADAB2}" type="datetime1">
               <a:rPr lang="nl-NL" smtClean="0"/>
-              <a:t>21-01-2020</a:t>
+              <a:t>26-1-2020</a:t>
             </a:fld>
             <a:endParaRPr lang="en-GB"/>
           </a:p>
@@ -1384,7 +1385,7 @@
           <a:p>
             <a:fld id="{7ED8645F-302A-FC4F-B65E-BE44BD7D0BFE}" type="datetime1">
               <a:rPr lang="nl-NL" smtClean="0"/>
-              <a:t>21-01-2020</a:t>
+              <a:t>26-1-2020</a:t>
             </a:fld>
             <a:endParaRPr lang="en-GB"/>
           </a:p>
@@ -1630,7 +1631,7 @@
           <a:p>
             <a:fld id="{3F37FD0C-92E3-6147-B017-5A3F3FC940DB}" type="datetime1">
               <a:rPr lang="nl-NL" smtClean="0"/>
-              <a:t>21-01-2020</a:t>
+              <a:t>26-1-2020</a:t>
             </a:fld>
             <a:endParaRPr lang="en-GB"/>
           </a:p>
@@ -1862,7 +1863,7 @@
           <a:p>
             <a:fld id="{12999FB7-638F-064F-9F1B-5A2B67E58CFF}" type="datetime1">
               <a:rPr lang="nl-NL" smtClean="0"/>
-              <a:t>21-01-2020</a:t>
+              <a:t>26-1-2020</a:t>
             </a:fld>
             <a:endParaRPr lang="en-GB"/>
           </a:p>
@@ -2229,7 +2230,7 @@
           <a:p>
             <a:fld id="{A1CFFDEF-85F2-E847-8D85-682A9D98BAB3}" type="datetime1">
               <a:rPr lang="nl-NL" smtClean="0"/>
-              <a:t>21-01-2020</a:t>
+              <a:t>26-1-2020</a:t>
             </a:fld>
             <a:endParaRPr lang="en-GB"/>
           </a:p>
@@ -2347,7 +2348,7 @@
           <a:p>
             <a:fld id="{028B6388-FB3E-614B-A3B7-D097F68BF908}" type="datetime1">
               <a:rPr lang="nl-NL" smtClean="0"/>
-              <a:t>21-01-2020</a:t>
+              <a:t>26-1-2020</a:t>
             </a:fld>
             <a:endParaRPr lang="en-GB"/>
           </a:p>
@@ -2442,7 +2443,7 @@
           <a:p>
             <a:fld id="{139C7612-8A5C-2E4F-AB2E-9CC1B411E701}" type="datetime1">
               <a:rPr lang="nl-NL" smtClean="0"/>
-              <a:t>21-01-2020</a:t>
+              <a:t>26-1-2020</a:t>
             </a:fld>
             <a:endParaRPr lang="en-GB"/>
           </a:p>
@@ -2719,7 +2720,7 @@
           <a:p>
             <a:fld id="{C00946DD-15F0-6346-9ACF-7E04BBC1DA84}" type="datetime1">
               <a:rPr lang="nl-NL" smtClean="0"/>
-              <a:t>21-01-2020</a:t>
+              <a:t>26-1-2020</a:t>
             </a:fld>
             <a:endParaRPr lang="en-GB"/>
           </a:p>
@@ -2976,7 +2977,7 @@
           <a:p>
             <a:fld id="{3D169EF2-A6C6-B04D-A2C4-C446C863F365}" type="datetime1">
               <a:rPr lang="nl-NL" smtClean="0"/>
-              <a:t>21-01-2020</a:t>
+              <a:t>26-1-2020</a:t>
             </a:fld>
             <a:endParaRPr lang="en-GB"/>
           </a:p>
@@ -3189,7 +3190,7 @@
           <a:p>
             <a:fld id="{9C1111A9-A1AF-C34E-B614-37051BC839D5}" type="datetime1">
               <a:rPr lang="nl-NL" smtClean="0"/>
-              <a:t>21-01-2020</a:t>
+              <a:t>26-1-2020</a:t>
             </a:fld>
             <a:endParaRPr lang="en-GB"/>
           </a:p>
@@ -4451,6 +4452,14 @@
 <file path=ppt/slides/slide13.xml><?xml version="1.0" encoding="utf-8"?>
 <p:sld xmlns:a="http://schemas.openxmlformats.org/drawingml/2006/main" xmlns:r="http://schemas.openxmlformats.org/officeDocument/2006/relationships" xmlns:p="http://schemas.openxmlformats.org/presentationml/2006/main">
   <p:cSld>
+    <p:bg>
+      <p:bgPr>
+        <a:solidFill>
+          <a:schemeClr val="bg1"/>
+        </a:solidFill>
+        <a:effectLst/>
+      </p:bgPr>
+    </p:bg>
     <p:spTree>
       <p:nvGrpSpPr>
         <p:cNvPr id="1" name=""/>
@@ -4488,141 +4497,217 @@
           </a:xfrm>
         </p:spPr>
         <p:txBody>
-          <a:bodyPr/>
-          <a:lstStyle/>
-          <a:p>
-            <a:r>
-              <a:rPr lang="nl-NL" dirty="0"/>
-              <a:t>3. </a:t>
-            </a:r>
-            <a:r>
-              <a:rPr lang="nl-NL" dirty="0" err="1"/>
-              <a:t>Results</a:t>
-            </a:r>
-            <a:r>
-              <a:rPr lang="nl-NL" dirty="0"/>
-              <a:t> – State Space check</a:t>
-            </a:r>
-            <a:endParaRPr lang="en-GB" dirty="0"/>
-          </a:p>
-        </p:txBody>
-      </p:sp>
-      <p:sp>
-        <p:nvSpPr>
-          <p:cNvPr id="3" name="Tijdelijke aanduiding voor inhoud 2">
-            <a:extLst>
-              <a:ext uri="{FF2B5EF4-FFF2-40B4-BE49-F238E27FC236}">
-                <a16:creationId xmlns:a16="http://schemas.microsoft.com/office/drawing/2014/main" id="{938874C9-2E1B-4E00-9D04-38873D0AC371}"/>
-              </a:ext>
-            </a:extLst>
-          </p:cNvPr>
-          <p:cNvSpPr>
-            <a:spLocks noGrp="1"/>
-          </p:cNvSpPr>
-          <p:nvPr>
-            <p:ph sz="half" idx="1"/>
-          </p:nvPr>
-        </p:nvSpPr>
-        <p:spPr>
-          <a:xfrm>
-            <a:off x="838200" y="2412693"/>
-            <a:ext cx="4493964" cy="3764269"/>
-          </a:xfrm>
-        </p:spPr>
-        <p:txBody>
-          <a:bodyPr>
+          <a:bodyPr vert="horz" lIns="91440" tIns="45720" rIns="91440" bIns="45720" rtlCol="0" anchor="ctr">
             <a:normAutofit/>
           </a:bodyPr>
           <a:lstStyle/>
           <a:p>
             <a:r>
-              <a:rPr lang="nl-NL" sz="2400" dirty="0"/>
-              <a:t>Using </a:t>
-            </a:r>
-            <a:r>
-              <a:rPr lang="nl-NL" sz="2400" dirty="0" err="1"/>
-              <a:t>breadth</a:t>
-            </a:r>
-            <a:r>
-              <a:rPr lang="nl-NL" sz="2400" dirty="0"/>
-              <a:t> first </a:t>
-            </a:r>
-            <a:r>
-              <a:rPr lang="nl-NL" sz="2400" dirty="0" err="1"/>
-              <a:t>algorithm</a:t>
-            </a:r>
-            <a:endParaRPr lang="nl-NL" sz="2400" dirty="0"/>
-          </a:p>
-          <a:p>
-            <a:r>
-              <a:rPr lang="nl-NL" sz="2400" dirty="0"/>
-              <a:t>We </a:t>
-            </a:r>
-            <a:r>
-              <a:rPr lang="nl-NL" sz="2400" dirty="0" err="1"/>
-              <a:t>calculated</a:t>
-            </a:r>
-            <a:r>
-              <a:rPr lang="nl-NL" sz="2400" dirty="0"/>
-              <a:t> a state </a:t>
-            </a:r>
-            <a:r>
-              <a:rPr lang="nl-NL" sz="2400" dirty="0" err="1"/>
-              <a:t>space</a:t>
-            </a:r>
-            <a:r>
-              <a:rPr lang="nl-NL" sz="2400" dirty="0"/>
-              <a:t> of:</a:t>
-            </a:r>
-          </a:p>
-          <a:p>
-            <a:r>
-              <a:rPr lang="en-GB" sz="2400" dirty="0"/>
-              <a:t>3</a:t>
-            </a:r>
-            <a:r>
-              <a:rPr lang="en-GB" sz="2400" baseline="30000" dirty="0"/>
-              <a:t>n-2</a:t>
-            </a:r>
-            <a:r>
-              <a:rPr lang="en-GB" sz="2400" dirty="0"/>
-              <a:t> for 2D</a:t>
-            </a:r>
-          </a:p>
-          <a:p>
-            <a:r>
-              <a:rPr lang="en-GB" sz="2400" dirty="0"/>
-              <a:t>5</a:t>
-            </a:r>
-            <a:r>
-              <a:rPr lang="en-GB" sz="2400" baseline="30000" dirty="0"/>
-              <a:t>n-2</a:t>
-            </a:r>
-            <a:r>
-              <a:rPr lang="en-GB" sz="2400" dirty="0"/>
-              <a:t> for 3D</a:t>
-            </a:r>
-          </a:p>
-          <a:p>
-            <a:r>
-              <a:rPr lang="en-GB" sz="2400" dirty="0"/>
-              <a:t>n: Protein chain length</a:t>
-            </a:r>
-          </a:p>
-          <a:p>
-            <a:endParaRPr lang="en-GB" sz="2400" dirty="0"/>
-          </a:p>
-          <a:p>
-            <a:endParaRPr lang="en-GB" sz="2400" dirty="0"/>
-          </a:p>
-          <a:p>
-            <a:endParaRPr lang="nl-NL" sz="2400" dirty="0"/>
-          </a:p>
-          <a:p>
-            <a:endParaRPr lang="nl-NL" sz="2400" dirty="0"/>
-          </a:p>
-        </p:txBody>
-      </p:sp>
+              <a:rPr lang="en-US" dirty="0"/>
+              <a:t>3. Results – State Space check</a:t>
+            </a:r>
+          </a:p>
+        </p:txBody>
+      </p:sp>
+      <mc:AlternateContent xmlns:mc="http://schemas.openxmlformats.org/markup-compatibility/2006">
+        <mc:Choice xmlns:a14="http://schemas.microsoft.com/office/drawing/2010/main" Requires="a14">
+          <p:sp>
+            <p:nvSpPr>
+              <p:cNvPr id="3" name="Tijdelijke aanduiding voor inhoud 2">
+                <a:extLst>
+                  <a:ext uri="{FF2B5EF4-FFF2-40B4-BE49-F238E27FC236}">
+                    <a16:creationId xmlns:a16="http://schemas.microsoft.com/office/drawing/2014/main" id="{938874C9-2E1B-4E00-9D04-38873D0AC371}"/>
+                  </a:ext>
+                </a:extLst>
+              </p:cNvPr>
+              <p:cNvSpPr>
+                <a:spLocks noGrp="1"/>
+              </p:cNvSpPr>
+              <p:nvPr>
+                <p:ph sz="half" idx="1"/>
+              </p:nvPr>
+            </p:nvSpPr>
+            <p:spPr>
+              <a:xfrm>
+                <a:off x="838200" y="1825625"/>
+                <a:ext cx="4083121" cy="4351338"/>
+              </a:xfrm>
+            </p:spPr>
+            <p:txBody>
+              <a:bodyPr vert="horz" lIns="91440" tIns="45720" rIns="91440" bIns="45720" rtlCol="0">
+                <a:normAutofit/>
+              </a:bodyPr>
+              <a:lstStyle/>
+              <a:p>
+                <a:r>
+                  <a:rPr lang="en-US" sz="2400" dirty="0"/>
+                  <a:t>Using breadth first algorithm</a:t>
+                </a:r>
+              </a:p>
+              <a:p>
+                <a:pPr marL="0" indent="0">
+                  <a:buNone/>
+                </a:pPr>
+                <a:endParaRPr lang="en-US" sz="2400" dirty="0"/>
+              </a:p>
+              <a:p>
+                <a:r>
+                  <a:rPr lang="en-US" sz="2400" dirty="0"/>
+                  <a:t>Fit:  </a:t>
+                </a:r>
+                <a14:m>
+                  <m:oMath xmlns:m="http://schemas.openxmlformats.org/officeDocument/2006/math">
+                    <m:r>
+                      <a:rPr lang="en-US" sz="2400" b="0" i="1">
+                        <a:latin typeface="Cambria Math" panose="02040503050406030204" pitchFamily="18" charset="0"/>
+                      </a:rPr>
+                      <m:t>𝑁</m:t>
+                    </m:r>
+                    <m:r>
+                      <a:rPr lang="en-US" sz="2400" b="0" i="1">
+                        <a:latin typeface="Cambria Math" panose="02040503050406030204" pitchFamily="18" charset="0"/>
+                      </a:rPr>
+                      <m:t>=</m:t>
+                    </m:r>
+                    <m:r>
+                      <a:rPr lang="en-US" sz="2400" b="0" i="1">
+                        <a:latin typeface="Cambria Math" panose="02040503050406030204" pitchFamily="18" charset="0"/>
+                      </a:rPr>
+                      <m:t>𝐴</m:t>
+                    </m:r>
+                    <m:r>
+                      <a:rPr lang="en-US" sz="2400" b="0" i="1">
+                        <a:latin typeface="Cambria Math" panose="02040503050406030204" pitchFamily="18" charset="0"/>
+                      </a:rPr>
+                      <m:t>∙</m:t>
+                    </m:r>
+                    <m:sSup>
+                      <m:sSupPr>
+                        <m:ctrlPr>
+                          <a:rPr lang="en-US" sz="2400" b="0" i="1">
+                            <a:latin typeface="Cambria Math" panose="02040503050406030204" pitchFamily="18" charset="0"/>
+                          </a:rPr>
+                        </m:ctrlPr>
+                      </m:sSupPr>
+                      <m:e>
+                        <m:r>
+                          <a:rPr lang="en-US" sz="2400" b="0" i="1">
+                            <a:latin typeface="Cambria Math" panose="02040503050406030204" pitchFamily="18" charset="0"/>
+                          </a:rPr>
+                          <m:t>𝑒</m:t>
+                        </m:r>
+                      </m:e>
+                      <m:sup>
+                        <m:r>
+                          <a:rPr lang="en-US" sz="2400" b="0" i="1">
+                            <a:latin typeface="Cambria Math" panose="02040503050406030204" pitchFamily="18" charset="0"/>
+                          </a:rPr>
+                          <m:t>𝑅</m:t>
+                        </m:r>
+                        <m:r>
+                          <a:rPr lang="en-US" sz="2400" b="0" i="1">
+                            <a:latin typeface="Cambria Math" panose="02040503050406030204" pitchFamily="18" charset="0"/>
+                          </a:rPr>
+                          <m:t>∙</m:t>
+                        </m:r>
+                        <m:r>
+                          <a:rPr lang="en-US" sz="2400" b="0" i="1">
+                            <a:latin typeface="Cambria Math" panose="02040503050406030204" pitchFamily="18" charset="0"/>
+                          </a:rPr>
+                          <m:t>𝑛</m:t>
+                        </m:r>
+                      </m:sup>
+                    </m:sSup>
+                  </m:oMath>
+                </a14:m>
+                <a:endParaRPr lang="en-US" sz="2400" dirty="0"/>
+              </a:p>
+              <a:p>
+                <a:r>
+                  <a:rPr lang="en-US" sz="2400" dirty="0"/>
+                  <a:t>N: number of permutations</a:t>
+                </a:r>
+              </a:p>
+              <a:p>
+                <a:r>
+                  <a:rPr lang="en-US" sz="2400" dirty="0"/>
+                  <a:t>A: 0.051 ± 0.001</a:t>
+                </a:r>
+              </a:p>
+              <a:p>
+                <a:r>
+                  <a:rPr lang="en-US" sz="2400" dirty="0"/>
+                  <a:t>R: 1.560 ± 0.001</a:t>
+                </a:r>
+              </a:p>
+              <a:p>
+                <a:r>
+                  <a:rPr lang="en-US" sz="2400" dirty="0"/>
+                  <a:t>n: protein chain length</a:t>
+                </a:r>
+              </a:p>
+              <a:p>
+                <a:endParaRPr lang="en-US" sz="2400" dirty="0"/>
+              </a:p>
+              <a:p>
+                <a:endParaRPr lang="en-US" sz="2000" dirty="0"/>
+              </a:p>
+              <a:p>
+                <a:endParaRPr lang="en-US" sz="2000" dirty="0"/>
+              </a:p>
+              <a:p>
+                <a:endParaRPr lang="en-US" sz="2000" dirty="0"/>
+              </a:p>
+              <a:p>
+                <a:endParaRPr lang="en-US" sz="2000" dirty="0"/>
+              </a:p>
+            </p:txBody>
+          </p:sp>
+        </mc:Choice>
+        <mc:Fallback>
+          <p:sp>
+            <p:nvSpPr>
+              <p:cNvPr id="3" name="Tijdelijke aanduiding voor inhoud 2">
+                <a:extLst>
+                  <a:ext uri="{FF2B5EF4-FFF2-40B4-BE49-F238E27FC236}">
+                    <a16:creationId xmlns:a16="http://schemas.microsoft.com/office/drawing/2014/main" id="{938874C9-2E1B-4E00-9D04-38873D0AC371}"/>
+                  </a:ext>
+                </a:extLst>
+              </p:cNvPr>
+              <p:cNvSpPr>
+                <a:spLocks noGrp="1" noRot="1" noChangeAspect="1" noMove="1" noResize="1" noEditPoints="1" noAdjustHandles="1" noChangeArrowheads="1" noChangeShapeType="1" noTextEdit="1"/>
+              </p:cNvSpPr>
+              <p:nvPr>
+                <p:ph sz="half" idx="1"/>
+              </p:nvPr>
+            </p:nvSpPr>
+            <p:spPr>
+              <a:xfrm>
+                <a:off x="838200" y="1825625"/>
+                <a:ext cx="4083121" cy="4351338"/>
+              </a:xfrm>
+              <a:blipFill>
+                <a:blip r:embed="rId2"/>
+                <a:stretch>
+                  <a:fillRect l="-2093" t="-1961"/>
+                </a:stretch>
+              </a:blipFill>
+            </p:spPr>
+            <p:txBody>
+              <a:bodyPr/>
+              <a:lstStyle/>
+              <a:p>
+                <a:r>
+                  <a:rPr lang="en-GB">
+                    <a:noFill/>
+                  </a:rPr>
+                  <a:t> </a:t>
+                </a:r>
+              </a:p>
+            </p:txBody>
+          </p:sp>
+        </mc:Fallback>
+      </mc:AlternateContent>
       <p:sp>
         <p:nvSpPr>
           <p:cNvPr id="4" name="Tijdelijke aanduiding voor dianummer 3">
@@ -4639,331 +4724,107 @@
             <p:ph type="sldNum" sz="quarter" idx="12"/>
           </p:nvPr>
         </p:nvSpPr>
-        <p:spPr/>
-        <p:txBody>
-          <a:bodyPr/>
-          <a:lstStyle/>
-          <a:p>
+        <p:spPr>
+          <a:xfrm>
+            <a:off x="8610600" y="6356350"/>
+            <a:ext cx="2743200" cy="365125"/>
+          </a:xfrm>
+        </p:spPr>
+        <p:txBody>
+          <a:bodyPr vert="horz" lIns="91440" tIns="45720" rIns="91440" bIns="45720" rtlCol="0" anchor="ctr">
+            <a:normAutofit/>
+          </a:bodyPr>
+          <a:lstStyle/>
+          <a:p>
+            <a:pPr defTabSz="914400">
+              <a:spcAft>
+                <a:spcPts val="600"/>
+              </a:spcAft>
+              <a:defRPr/>
+            </a:pPr>
             <a:fld id="{D1892F8F-5571-E246-B053-E27A62D47BEF}" type="slidenum">
-              <a:rPr lang="en-GB" smtClean="0"/>
+              <a:rPr lang="en-US" smtClean="0">
+                <a:solidFill>
+                  <a:prstClr val="black">
+                    <a:tint val="75000"/>
+                  </a:prstClr>
+                </a:solidFill>
+                <a:latin typeface="Calibri" panose="020F0502020204030204"/>
+              </a:rPr>
+              <a:pPr defTabSz="914400">
+                <a:spcAft>
+                  <a:spcPts val="600"/>
+                </a:spcAft>
+                <a:defRPr/>
+              </a:pPr>
               <a:t>13</a:t>
             </a:fld>
-            <a:endParaRPr lang="en-GB"/>
-          </a:p>
-        </p:txBody>
-      </p:sp>
-      <p:graphicFrame>
-        <p:nvGraphicFramePr>
-          <p:cNvPr id="8" name="Tabel 8">
+            <a:endParaRPr lang="en-US">
+              <a:solidFill>
+                <a:prstClr val="black">
+                  <a:tint val="75000"/>
+                </a:prstClr>
+              </a:solidFill>
+              <a:latin typeface="Calibri" panose="020F0502020204030204"/>
+            </a:endParaRPr>
+          </a:p>
+        </p:txBody>
+      </p:sp>
+      <p:sp>
+        <p:nvSpPr>
+          <p:cNvPr id="10" name="Tijdelijke aanduiding voor inhoud 9">
             <a:extLst>
               <a:ext uri="{FF2B5EF4-FFF2-40B4-BE49-F238E27FC236}">
-                <a16:creationId xmlns:a16="http://schemas.microsoft.com/office/drawing/2014/main" id="{A9ADEA34-E12C-4995-AFF8-439E0FF1D24E}"/>
+                <a16:creationId xmlns:a16="http://schemas.microsoft.com/office/drawing/2014/main" id="{8B50F8AB-436A-4F43-8953-32EAAC356C2A}"/>
               </a:ext>
             </a:extLst>
           </p:cNvPr>
-          <p:cNvGraphicFramePr>
-            <a:graphicFrameLocks noGrp="1"/>
-          </p:cNvGraphicFramePr>
+          <p:cNvSpPr>
+            <a:spLocks noGrp="1"/>
+          </p:cNvSpPr>
           <p:nvPr>
             <p:ph sz="half" idx="2"/>
-            <p:extLst>
-              <p:ext uri="{D42A27DB-BD31-4B8C-83A1-F6EECF244321}">
-                <p14:modId xmlns:p14="http://schemas.microsoft.com/office/powerpoint/2010/main" val="453147676"/>
-              </p:ext>
-            </p:extLst>
-          </p:nvPr>
-        </p:nvGraphicFramePr>
-        <p:xfrm>
-          <a:off x="6268598" y="1690688"/>
-          <a:ext cx="5085202" cy="3764268"/>
-        </p:xfrm>
-        <a:graphic>
-          <a:graphicData uri="http://schemas.openxmlformats.org/drawingml/2006/table">
-            <a:tbl>
-              <a:tblPr firstRow="1" bandRow="1">
-                <a:tableStyleId>{5C22544A-7EE6-4342-B048-85BDC9FD1C3A}</a:tableStyleId>
-              </a:tblPr>
-              <a:tblGrid>
-                <a:gridCol w="1630802">
-                  <a:extLst>
-                    <a:ext uri="{9D8B030D-6E8A-4147-A177-3AD203B41FA5}">
-                      <a16:colId xmlns:a16="http://schemas.microsoft.com/office/drawing/2014/main" val="1813941168"/>
-                    </a:ext>
-                  </a:extLst>
-                </a:gridCol>
-                <a:gridCol w="1727200">
-                  <a:extLst>
-                    <a:ext uri="{9D8B030D-6E8A-4147-A177-3AD203B41FA5}">
-                      <a16:colId xmlns:a16="http://schemas.microsoft.com/office/drawing/2014/main" val="3785723450"/>
-                    </a:ext>
-                  </a:extLst>
-                </a:gridCol>
-                <a:gridCol w="1727200">
-                  <a:extLst>
-                    <a:ext uri="{9D8B030D-6E8A-4147-A177-3AD203B41FA5}">
-                      <a16:colId xmlns:a16="http://schemas.microsoft.com/office/drawing/2014/main" val="357652839"/>
-                    </a:ext>
-                  </a:extLst>
-                </a:gridCol>
-              </a:tblGrid>
-              <a:tr h="941067">
-                <a:tc>
-                  <a:txBody>
-                    <a:bodyPr/>
-                    <a:lstStyle/>
-                    <a:p>
-                      <a:endParaRPr lang="en-GB" dirty="0"/>
-                    </a:p>
-                  </a:txBody>
-                  <a:tcPr/>
-                </a:tc>
-                <a:tc>
-                  <a:txBody>
-                    <a:bodyPr/>
-                    <a:lstStyle/>
-                    <a:p>
-                      <a:r>
-                        <a:rPr lang="nl-NL" dirty="0" err="1"/>
-                        <a:t>Protein</a:t>
-                      </a:r>
-                      <a:r>
-                        <a:rPr lang="nl-NL" dirty="0"/>
-                        <a:t> </a:t>
-                      </a:r>
-                      <a:r>
-                        <a:rPr lang="nl-NL" dirty="0" err="1"/>
-                        <a:t>length</a:t>
-                      </a:r>
-                      <a:r>
-                        <a:rPr lang="nl-NL" dirty="0"/>
-                        <a:t> </a:t>
-                      </a:r>
-                    </a:p>
-                    <a:p>
-                      <a:r>
-                        <a:rPr lang="nl-NL" dirty="0"/>
-                        <a:t>8 in 2D</a:t>
-                      </a:r>
-                      <a:endParaRPr lang="en-GB" dirty="0"/>
-                    </a:p>
-                  </a:txBody>
-                  <a:tcPr/>
-                </a:tc>
-                <a:tc>
-                  <a:txBody>
-                    <a:bodyPr/>
-                    <a:lstStyle/>
-                    <a:p>
-                      <a:r>
-                        <a:rPr lang="nl-NL" dirty="0" err="1"/>
-                        <a:t>Protein</a:t>
-                      </a:r>
-                      <a:r>
-                        <a:rPr lang="nl-NL" dirty="0"/>
-                        <a:t> </a:t>
-                      </a:r>
-                      <a:r>
-                        <a:rPr lang="nl-NL" dirty="0" err="1"/>
-                        <a:t>length</a:t>
-                      </a:r>
-                      <a:endParaRPr lang="nl-NL" dirty="0"/>
-                    </a:p>
-                    <a:p>
-                      <a:r>
-                        <a:rPr lang="nl-NL" dirty="0"/>
-                        <a:t>8 in 3D</a:t>
-                      </a:r>
-                      <a:endParaRPr lang="en-GB" dirty="0"/>
-                    </a:p>
-                  </a:txBody>
-                  <a:tcPr/>
-                </a:tc>
-                <a:extLst>
-                  <a:ext uri="{0D108BD9-81ED-4DB2-BD59-A6C34878D82A}">
-                    <a16:rowId xmlns:a16="http://schemas.microsoft.com/office/drawing/2014/main" val="518749116"/>
-                  </a:ext>
-                </a:extLst>
-              </a:tr>
-              <a:tr h="941067">
-                <a:tc>
-                  <a:txBody>
-                    <a:bodyPr/>
-                    <a:lstStyle/>
-                    <a:p>
-                      <a:r>
-                        <a:rPr lang="nl-NL" dirty="0" err="1"/>
-                        <a:t>Calculated</a:t>
-                      </a:r>
-                      <a:r>
-                        <a:rPr lang="nl-NL" dirty="0"/>
-                        <a:t> </a:t>
-                      </a:r>
-                    </a:p>
-                    <a:p>
-                      <a:r>
-                        <a:rPr lang="nl-NL" dirty="0"/>
-                        <a:t>State </a:t>
-                      </a:r>
-                      <a:r>
-                        <a:rPr lang="nl-NL" dirty="0" err="1"/>
-                        <a:t>space</a:t>
-                      </a:r>
-                      <a:endParaRPr lang="en-GB" dirty="0"/>
-                    </a:p>
-                  </a:txBody>
-                  <a:tcPr/>
-                </a:tc>
-                <a:tc>
-                  <a:txBody>
-                    <a:bodyPr/>
-                    <a:lstStyle/>
-                    <a:p>
-                      <a:r>
-                        <a:rPr lang="nl-NL" dirty="0"/>
-                        <a:t>729</a:t>
-                      </a:r>
-                      <a:endParaRPr lang="en-GB" dirty="0"/>
-                    </a:p>
-                  </a:txBody>
-                  <a:tcPr/>
-                </a:tc>
-                <a:tc>
-                  <a:txBody>
-                    <a:bodyPr/>
-                    <a:lstStyle/>
-                    <a:p>
-                      <a:r>
-                        <a:rPr lang="nl-NL" dirty="0"/>
-                        <a:t>15625</a:t>
-                      </a:r>
-                      <a:endParaRPr lang="en-GB" dirty="0"/>
-                    </a:p>
-                  </a:txBody>
-                  <a:tcPr/>
-                </a:tc>
-                <a:extLst>
-                  <a:ext uri="{0D108BD9-81ED-4DB2-BD59-A6C34878D82A}">
-                    <a16:rowId xmlns:a16="http://schemas.microsoft.com/office/drawing/2014/main" val="1248202208"/>
-                  </a:ext>
-                </a:extLst>
-              </a:tr>
-              <a:tr h="941067">
-                <a:tc>
-                  <a:txBody>
-                    <a:bodyPr/>
-                    <a:lstStyle/>
-                    <a:p>
-                      <a:r>
-                        <a:rPr lang="nl-NL" dirty="0"/>
-                        <a:t>In </a:t>
-                      </a:r>
-                      <a:r>
-                        <a:rPr lang="nl-NL" dirty="0" err="1"/>
-                        <a:t>Reality</a:t>
-                      </a:r>
-                      <a:endParaRPr lang="nl-NL" dirty="0"/>
-                    </a:p>
-                    <a:p>
-                      <a:r>
-                        <a:rPr lang="nl-NL" dirty="0"/>
-                        <a:t>State </a:t>
-                      </a:r>
-                      <a:r>
-                        <a:rPr lang="nl-NL" dirty="0" err="1"/>
-                        <a:t>space</a:t>
-                      </a:r>
-                      <a:endParaRPr lang="en-GB" dirty="0"/>
-                    </a:p>
-                  </a:txBody>
-                  <a:tcPr/>
-                </a:tc>
-                <a:tc>
-                  <a:txBody>
-                    <a:bodyPr/>
-                    <a:lstStyle/>
-                    <a:p>
-                      <a:r>
-                        <a:rPr lang="nl-NL" dirty="0"/>
-                        <a:t>543</a:t>
-                      </a:r>
-                      <a:endParaRPr lang="en-GB" dirty="0"/>
-                    </a:p>
-                  </a:txBody>
-                  <a:tcPr/>
-                </a:tc>
-                <a:tc>
-                  <a:txBody>
-                    <a:bodyPr/>
-                    <a:lstStyle/>
-                    <a:p>
-                      <a:r>
-                        <a:rPr lang="nl-NL" dirty="0"/>
-                        <a:t>13565</a:t>
-                      </a:r>
-                      <a:endParaRPr lang="en-GB" dirty="0"/>
-                    </a:p>
-                  </a:txBody>
-                  <a:tcPr/>
-                </a:tc>
-                <a:extLst>
-                  <a:ext uri="{0D108BD9-81ED-4DB2-BD59-A6C34878D82A}">
-                    <a16:rowId xmlns:a16="http://schemas.microsoft.com/office/drawing/2014/main" val="1669126111"/>
-                  </a:ext>
-                </a:extLst>
-              </a:tr>
-              <a:tr h="941067">
-                <a:tc>
-                  <a:txBody>
-                    <a:bodyPr/>
-                    <a:lstStyle/>
-                    <a:p>
-                      <a:r>
-                        <a:rPr lang="nl-NL" dirty="0" err="1"/>
-                        <a:t>Overestimation</a:t>
-                      </a:r>
-                      <a:endParaRPr lang="en-GB" dirty="0"/>
-                    </a:p>
-                  </a:txBody>
-                  <a:tcPr/>
-                </a:tc>
-                <a:tc>
-                  <a:txBody>
-                    <a:bodyPr/>
-                    <a:lstStyle/>
-                    <a:p>
-                      <a:r>
-                        <a:rPr lang="nl-NL" dirty="0"/>
-                        <a:t>34%</a:t>
-                      </a:r>
-                      <a:endParaRPr lang="en-GB" dirty="0"/>
-                    </a:p>
-                  </a:txBody>
-                  <a:tcPr/>
-                </a:tc>
-                <a:tc>
-                  <a:txBody>
-                    <a:bodyPr/>
-                    <a:lstStyle/>
-                    <a:p>
-                      <a:r>
-                        <a:rPr lang="nl-NL" dirty="0"/>
-                        <a:t>15%</a:t>
-                      </a:r>
-                      <a:endParaRPr lang="en-GB" dirty="0"/>
-                    </a:p>
-                  </a:txBody>
-                  <a:tcPr/>
-                </a:tc>
-                <a:extLst>
-                  <a:ext uri="{0D108BD9-81ED-4DB2-BD59-A6C34878D82A}">
-                    <a16:rowId xmlns:a16="http://schemas.microsoft.com/office/drawing/2014/main" val="853705969"/>
-                  </a:ext>
-                </a:extLst>
-              </a:tr>
-            </a:tbl>
-          </a:graphicData>
-        </a:graphic>
-      </p:graphicFrame>
+          </p:nvPr>
+        </p:nvSpPr>
+        <p:spPr/>
+        <p:txBody>
+          <a:bodyPr/>
+          <a:lstStyle/>
+          <a:p>
+            <a:endParaRPr lang="en-GB"/>
+          </a:p>
+        </p:txBody>
+      </p:sp>
+      <p:pic>
+        <p:nvPicPr>
+          <p:cNvPr id="11" name="Afbeelding 10">
+            <a:extLst>
+              <a:ext uri="{FF2B5EF4-FFF2-40B4-BE49-F238E27FC236}">
+                <a16:creationId xmlns:a16="http://schemas.microsoft.com/office/drawing/2014/main" id="{FB86E529-AC46-4AD2-87B9-20CC29A28322}"/>
+              </a:ext>
+            </a:extLst>
+          </p:cNvPr>
+          <p:cNvPicPr>
+            <a:picLocks noChangeAspect="1"/>
+          </p:cNvPicPr>
+          <p:nvPr/>
+        </p:nvPicPr>
+        <p:blipFill>
+          <a:blip r:embed="rId3"/>
+          <a:stretch>
+            <a:fillRect/>
+          </a:stretch>
+        </p:blipFill>
+        <p:spPr>
+          <a:xfrm>
+            <a:off x="5561125" y="1455969"/>
+            <a:ext cx="6403749" cy="4900381"/>
+          </a:xfrm>
+          <a:prstGeom prst="rect">
+            <a:avLst/>
+          </a:prstGeom>
+        </p:spPr>
+      </p:pic>
     </p:spTree>
     <p:extLst>
       <p:ext uri="{BB962C8B-B14F-4D97-AF65-F5344CB8AC3E}">
@@ -4999,6 +4860,674 @@
           <p:cNvPr id="2" name="Titel 1">
             <a:extLst>
               <a:ext uri="{FF2B5EF4-FFF2-40B4-BE49-F238E27FC236}">
+                <a16:creationId xmlns:a16="http://schemas.microsoft.com/office/drawing/2014/main" id="{6168FFC9-90C7-400D-9CCE-FCB0EB9DBE0E}"/>
+              </a:ext>
+            </a:extLst>
+          </p:cNvPr>
+          <p:cNvSpPr>
+            <a:spLocks noGrp="1"/>
+          </p:cNvSpPr>
+          <p:nvPr>
+            <p:ph type="title"/>
+          </p:nvPr>
+        </p:nvSpPr>
+        <p:spPr/>
+        <p:txBody>
+          <a:bodyPr/>
+          <a:lstStyle/>
+          <a:p>
+            <a:r>
+              <a:rPr lang="en-US" dirty="0"/>
+              <a:t>3. Results – State Space check</a:t>
+            </a:r>
+            <a:endParaRPr lang="en-GB" dirty="0"/>
+          </a:p>
+        </p:txBody>
+      </p:sp>
+      <p:sp>
+        <p:nvSpPr>
+          <p:cNvPr id="3" name="Tijdelijke aanduiding voor inhoud 2">
+            <a:extLst>
+              <a:ext uri="{FF2B5EF4-FFF2-40B4-BE49-F238E27FC236}">
+                <a16:creationId xmlns:a16="http://schemas.microsoft.com/office/drawing/2014/main" id="{50F92C7D-D16A-4C53-86C8-AE3876D7593F}"/>
+              </a:ext>
+            </a:extLst>
+          </p:cNvPr>
+          <p:cNvSpPr>
+            <a:spLocks noGrp="1"/>
+          </p:cNvSpPr>
+          <p:nvPr>
+            <p:ph sz="half" idx="1"/>
+          </p:nvPr>
+        </p:nvSpPr>
+        <p:spPr/>
+        <p:txBody>
+          <a:bodyPr/>
+          <a:lstStyle/>
+          <a:p>
+            <a:r>
+              <a:rPr lang="en-US" dirty="0"/>
+              <a:t>Using extrapolation</a:t>
+            </a:r>
+          </a:p>
+          <a:p>
+            <a:r>
+              <a:rPr lang="en-US" dirty="0"/>
+              <a:t>5</a:t>
+            </a:r>
+            <a:r>
+              <a:rPr lang="en-US" baseline="30000" dirty="0"/>
+              <a:t>n-2</a:t>
+            </a:r>
+            <a:r>
+              <a:rPr lang="en-US" dirty="0"/>
+              <a:t> for 3D</a:t>
+            </a:r>
+          </a:p>
+          <a:p>
+            <a:r>
+              <a:rPr lang="en-US" dirty="0"/>
+              <a:t>n: protein chain length</a:t>
+            </a:r>
+          </a:p>
+          <a:p>
+            <a:endParaRPr lang="en-GB" dirty="0"/>
+          </a:p>
+        </p:txBody>
+      </p:sp>
+      <p:graphicFrame>
+        <p:nvGraphicFramePr>
+          <p:cNvPr id="6" name="Tabel 6">
+            <a:extLst>
+              <a:ext uri="{FF2B5EF4-FFF2-40B4-BE49-F238E27FC236}">
+                <a16:creationId xmlns:a16="http://schemas.microsoft.com/office/drawing/2014/main" id="{08335CF8-4F89-42B8-8BBB-231DE262EDA1}"/>
+              </a:ext>
+            </a:extLst>
+          </p:cNvPr>
+          <p:cNvGraphicFramePr>
+            <a:graphicFrameLocks noGrp="1"/>
+          </p:cNvGraphicFramePr>
+          <p:nvPr>
+            <p:ph sz="half" idx="2"/>
+            <p:extLst>
+              <p:ext uri="{D42A27DB-BD31-4B8C-83A1-F6EECF244321}">
+                <p14:modId xmlns:p14="http://schemas.microsoft.com/office/powerpoint/2010/main" val="3265203687"/>
+              </p:ext>
+            </p:extLst>
+          </p:nvPr>
+        </p:nvGraphicFramePr>
+        <p:xfrm>
+          <a:off x="4962417" y="2348037"/>
+          <a:ext cx="6965877" cy="3100988"/>
+        </p:xfrm>
+        <a:graphic>
+          <a:graphicData uri="http://schemas.openxmlformats.org/drawingml/2006/table">
+            <a:tbl>
+              <a:tblPr firstRow="1" bandRow="1">
+                <a:tableStyleId>{5C22544A-7EE6-4342-B048-85BDC9FD1C3A}</a:tableStyleId>
+              </a:tblPr>
+              <a:tblGrid>
+                <a:gridCol w="1554277">
+                  <a:extLst>
+                    <a:ext uri="{9D8B030D-6E8A-4147-A177-3AD203B41FA5}">
+                      <a16:colId xmlns:a16="http://schemas.microsoft.com/office/drawing/2014/main" val="3579948607"/>
+                    </a:ext>
+                  </a:extLst>
+                </a:gridCol>
+                <a:gridCol w="1656381">
+                  <a:extLst>
+                    <a:ext uri="{9D8B030D-6E8A-4147-A177-3AD203B41FA5}">
+                      <a16:colId xmlns:a16="http://schemas.microsoft.com/office/drawing/2014/main" val="1582590913"/>
+                    </a:ext>
+                  </a:extLst>
+                </a:gridCol>
+                <a:gridCol w="1883283">
+                  <a:extLst>
+                    <a:ext uri="{9D8B030D-6E8A-4147-A177-3AD203B41FA5}">
+                      <a16:colId xmlns:a16="http://schemas.microsoft.com/office/drawing/2014/main" val="3507689085"/>
+                    </a:ext>
+                  </a:extLst>
+                </a:gridCol>
+                <a:gridCol w="1871936">
+                  <a:extLst>
+                    <a:ext uri="{9D8B030D-6E8A-4147-A177-3AD203B41FA5}">
+                      <a16:colId xmlns:a16="http://schemas.microsoft.com/office/drawing/2014/main" val="807306927"/>
+                    </a:ext>
+                  </a:extLst>
+                </a:gridCol>
+              </a:tblGrid>
+              <a:tr h="757218">
+                <a:tc>
+                  <a:txBody>
+                    <a:bodyPr/>
+                    <a:lstStyle/>
+                    <a:p>
+                      <a:r>
+                        <a:rPr lang="nl-NL" dirty="0" err="1"/>
+                        <a:t>Protein</a:t>
+                      </a:r>
+                      <a:r>
+                        <a:rPr lang="nl-NL" dirty="0"/>
+                        <a:t> string </a:t>
+                      </a:r>
+                      <a:r>
+                        <a:rPr lang="nl-NL" dirty="0" err="1"/>
+                        <a:t>length</a:t>
+                      </a:r>
+                      <a:endParaRPr lang="en-GB" dirty="0"/>
+                    </a:p>
+                  </a:txBody>
+                  <a:tcPr/>
+                </a:tc>
+                <a:tc>
+                  <a:txBody>
+                    <a:bodyPr/>
+                    <a:lstStyle/>
+                    <a:p>
+                      <a:r>
+                        <a:rPr lang="nl-NL" dirty="0" err="1"/>
+                        <a:t>Calculated</a:t>
+                      </a:r>
+                      <a:r>
+                        <a:rPr lang="nl-NL" dirty="0"/>
+                        <a:t> state </a:t>
+                      </a:r>
+                      <a:r>
+                        <a:rPr lang="nl-NL" dirty="0" err="1"/>
+                        <a:t>space</a:t>
+                      </a:r>
+                      <a:endParaRPr lang="en-GB" dirty="0"/>
+                    </a:p>
+                  </a:txBody>
+                  <a:tcPr/>
+                </a:tc>
+                <a:tc>
+                  <a:txBody>
+                    <a:bodyPr/>
+                    <a:lstStyle/>
+                    <a:p>
+                      <a:r>
+                        <a:rPr lang="nl-NL" dirty="0" err="1"/>
+                        <a:t>Extrapolated</a:t>
+                      </a:r>
+                      <a:r>
+                        <a:rPr lang="nl-NL" dirty="0"/>
+                        <a:t> state </a:t>
+                      </a:r>
+                      <a:r>
+                        <a:rPr lang="nl-NL" dirty="0" err="1"/>
+                        <a:t>space</a:t>
+                      </a:r>
+                      <a:endParaRPr lang="en-GB" dirty="0"/>
+                    </a:p>
+                  </a:txBody>
+                  <a:tcPr/>
+                </a:tc>
+                <a:tc>
+                  <a:txBody>
+                    <a:bodyPr/>
+                    <a:lstStyle/>
+                    <a:p>
+                      <a:r>
+                        <a:rPr lang="nl-NL" dirty="0" err="1"/>
+                        <a:t>Overestimation</a:t>
+                      </a:r>
+                      <a:endParaRPr lang="en-GB" dirty="0"/>
+                    </a:p>
+                  </a:txBody>
+                  <a:tcPr/>
+                </a:tc>
+                <a:extLst>
+                  <a:ext uri="{0D108BD9-81ED-4DB2-BD59-A6C34878D82A}">
+                    <a16:rowId xmlns:a16="http://schemas.microsoft.com/office/drawing/2014/main" val="886756142"/>
+                  </a:ext>
+                </a:extLst>
+              </a:tr>
+              <a:tr h="468754">
+                <a:tc>
+                  <a:txBody>
+                    <a:bodyPr/>
+                    <a:lstStyle/>
+                    <a:p>
+                      <a:r>
+                        <a:rPr lang="nl-NL" sz="2000" dirty="0"/>
+                        <a:t>8</a:t>
+                      </a:r>
+                      <a:endParaRPr lang="en-GB" sz="2000" dirty="0"/>
+                    </a:p>
+                  </a:txBody>
+                  <a:tcPr/>
+                </a:tc>
+                <a:tc>
+                  <a:txBody>
+                    <a:bodyPr/>
+                    <a:lstStyle/>
+                    <a:p>
+                      <a:pPr algn="r" rtl="0" fontAlgn="ctr"/>
+                      <a:r>
+                        <a:rPr lang="en-GB" sz="2000" b="0" i="0" u="none" strike="noStrike" dirty="0">
+                          <a:solidFill>
+                            <a:srgbClr val="000000"/>
+                          </a:solidFill>
+                          <a:effectLst/>
+                          <a:latin typeface="Calibri" panose="020F0502020204030204" pitchFamily="34" charset="0"/>
+                        </a:rPr>
+                        <a:t>15625</a:t>
+                      </a:r>
+                    </a:p>
+                  </a:txBody>
+                  <a:tcPr marL="6350" marR="6350" marT="6350" marB="0" anchor="ctr"/>
+                </a:tc>
+                <a:tc>
+                  <a:txBody>
+                    <a:bodyPr/>
+                    <a:lstStyle/>
+                    <a:p>
+                      <a:pPr algn="r" rtl="0" fontAlgn="ctr"/>
+                      <a:r>
+                        <a:rPr lang="en-GB" sz="2000" b="0" i="0" u="none" strike="noStrike" dirty="0">
+                          <a:solidFill>
+                            <a:srgbClr val="000000"/>
+                          </a:solidFill>
+                          <a:effectLst/>
+                          <a:latin typeface="Calibri" panose="020F0502020204030204" pitchFamily="34" charset="0"/>
+                        </a:rPr>
+                        <a:t>13565</a:t>
+                      </a:r>
+                    </a:p>
+                  </a:txBody>
+                  <a:tcPr marL="6350" marR="6350" marT="6350" marB="0" anchor="ctr"/>
+                </a:tc>
+                <a:tc>
+                  <a:txBody>
+                    <a:bodyPr/>
+                    <a:lstStyle/>
+                    <a:p>
+                      <a:pPr algn="r"/>
+                      <a:r>
+                        <a:rPr lang="nl-NL" sz="2000" dirty="0"/>
+                        <a:t>15%</a:t>
+                      </a:r>
+                      <a:endParaRPr lang="en-GB" sz="2000" dirty="0"/>
+                    </a:p>
+                  </a:txBody>
+                  <a:tcPr/>
+                </a:tc>
+                <a:extLst>
+                  <a:ext uri="{0D108BD9-81ED-4DB2-BD59-A6C34878D82A}">
+                    <a16:rowId xmlns:a16="http://schemas.microsoft.com/office/drawing/2014/main" val="987689690"/>
+                  </a:ext>
+                </a:extLst>
+              </a:tr>
+              <a:tr h="468754">
+                <a:tc>
+                  <a:txBody>
+                    <a:bodyPr/>
+                    <a:lstStyle/>
+                    <a:p>
+                      <a:r>
+                        <a:rPr lang="nl-NL" sz="2000" dirty="0"/>
+                        <a:t>14</a:t>
+                      </a:r>
+                      <a:endParaRPr lang="en-GB" sz="2000" dirty="0"/>
+                    </a:p>
+                  </a:txBody>
+                  <a:tcPr/>
+                </a:tc>
+                <a:tc>
+                  <a:txBody>
+                    <a:bodyPr/>
+                    <a:lstStyle/>
+                    <a:p>
+                      <a:pPr algn="r" fontAlgn="b"/>
+                      <a:r>
+                        <a:rPr lang="en-GB" sz="2000" b="0" i="0" u="none" strike="noStrike" dirty="0">
+                          <a:solidFill>
+                            <a:srgbClr val="000000"/>
+                          </a:solidFill>
+                          <a:effectLst/>
+                          <a:latin typeface="Calibri" panose="020F0502020204030204" pitchFamily="34" charset="0"/>
+                        </a:rPr>
+                        <a:t>244140625</a:t>
+                      </a:r>
+                    </a:p>
+                  </a:txBody>
+                  <a:tcPr marL="6350" marR="6350" marT="6350" marB="0" anchor="b"/>
+                </a:tc>
+                <a:tc>
+                  <a:txBody>
+                    <a:bodyPr/>
+                    <a:lstStyle/>
+                    <a:p>
+                      <a:pPr algn="r"/>
+                      <a:r>
+                        <a:rPr lang="en-GB" sz="2000" dirty="0">
+                          <a:latin typeface="Calibri" panose="020F0502020204030204" pitchFamily="34" charset="0"/>
+                          <a:cs typeface="Calibri" panose="020F0502020204030204" pitchFamily="34" charset="0"/>
+                        </a:rPr>
+                        <a:t>155797922</a:t>
+                      </a:r>
+                    </a:p>
+                  </a:txBody>
+                  <a:tcPr/>
+                </a:tc>
+                <a:tc>
+                  <a:txBody>
+                    <a:bodyPr/>
+                    <a:lstStyle/>
+                    <a:p>
+                      <a:pPr algn="r"/>
+                      <a:r>
+                        <a:rPr lang="nl-NL" sz="2000" dirty="0"/>
+                        <a:t>56%</a:t>
+                      </a:r>
+                      <a:endParaRPr lang="en-GB" sz="2000" dirty="0"/>
+                    </a:p>
+                  </a:txBody>
+                  <a:tcPr/>
+                </a:tc>
+                <a:extLst>
+                  <a:ext uri="{0D108BD9-81ED-4DB2-BD59-A6C34878D82A}">
+                    <a16:rowId xmlns:a16="http://schemas.microsoft.com/office/drawing/2014/main" val="2725218260"/>
+                  </a:ext>
+                </a:extLst>
+              </a:tr>
+              <a:tr h="468754">
+                <a:tc>
+                  <a:txBody>
+                    <a:bodyPr/>
+                    <a:lstStyle/>
+                    <a:p>
+                      <a:r>
+                        <a:rPr lang="nl-NL" sz="2000" dirty="0"/>
+                        <a:t>20</a:t>
+                      </a:r>
+                      <a:endParaRPr lang="en-GB" sz="2000" dirty="0"/>
+                    </a:p>
+                  </a:txBody>
+                  <a:tcPr/>
+                </a:tc>
+                <a:tc>
+                  <a:txBody>
+                    <a:bodyPr/>
+                    <a:lstStyle/>
+                    <a:p>
+                      <a:pPr algn="r" fontAlgn="b"/>
+                      <a:r>
+                        <a:rPr lang="en-GB" sz="2000" b="0" i="0" u="none" strike="noStrike" dirty="0">
+                          <a:solidFill>
+                            <a:srgbClr val="000000"/>
+                          </a:solidFill>
+                          <a:effectLst/>
+                          <a:latin typeface="Calibri" panose="020F0502020204030204" pitchFamily="34" charset="0"/>
+                        </a:rPr>
+                        <a:t>3.8147E+12</a:t>
+                      </a:r>
+                    </a:p>
+                  </a:txBody>
+                  <a:tcPr marL="6350" marR="6350" marT="6350" marB="0" anchor="b"/>
+                </a:tc>
+                <a:tc>
+                  <a:txBody>
+                    <a:bodyPr/>
+                    <a:lstStyle/>
+                    <a:p>
+                      <a:pPr algn="r" fontAlgn="b"/>
+                      <a:r>
+                        <a:rPr lang="en-GB" sz="2000" b="0" i="0" u="none" strike="noStrike" dirty="0">
+                          <a:solidFill>
+                            <a:srgbClr val="000000"/>
+                          </a:solidFill>
+                          <a:effectLst/>
+                          <a:latin typeface="Calibri" panose="020F0502020204030204" pitchFamily="34" charset="0"/>
+                        </a:rPr>
+                        <a:t>1.8095E+12</a:t>
+                      </a:r>
+                    </a:p>
+                  </a:txBody>
+                  <a:tcPr marL="6350" marR="6350" marT="6350" marB="0" anchor="b"/>
+                </a:tc>
+                <a:tc>
+                  <a:txBody>
+                    <a:bodyPr/>
+                    <a:lstStyle/>
+                    <a:p>
+                      <a:pPr algn="r"/>
+                      <a:r>
+                        <a:rPr lang="nl-NL" sz="2000" dirty="0"/>
+                        <a:t>110%</a:t>
+                      </a:r>
+                      <a:endParaRPr lang="en-GB" sz="2000" dirty="0"/>
+                    </a:p>
+                  </a:txBody>
+                  <a:tcPr/>
+                </a:tc>
+                <a:extLst>
+                  <a:ext uri="{0D108BD9-81ED-4DB2-BD59-A6C34878D82A}">
+                    <a16:rowId xmlns:a16="http://schemas.microsoft.com/office/drawing/2014/main" val="3559804343"/>
+                  </a:ext>
+                </a:extLst>
+              </a:tr>
+              <a:tr h="468754">
+                <a:tc>
+                  <a:txBody>
+                    <a:bodyPr/>
+                    <a:lstStyle/>
+                    <a:p>
+                      <a:r>
+                        <a:rPr lang="nl-NL" sz="2000" dirty="0"/>
+                        <a:t>36</a:t>
+                      </a:r>
+                      <a:endParaRPr lang="en-GB" sz="2000" dirty="0"/>
+                    </a:p>
+                  </a:txBody>
+                  <a:tcPr/>
+                </a:tc>
+                <a:tc>
+                  <a:txBody>
+                    <a:bodyPr/>
+                    <a:lstStyle/>
+                    <a:p>
+                      <a:pPr algn="r" fontAlgn="b"/>
+                      <a:r>
+                        <a:rPr lang="en-GB" sz="2000" b="0" i="0" u="none" strike="noStrike" dirty="0">
+                          <a:solidFill>
+                            <a:srgbClr val="000000"/>
+                          </a:solidFill>
+                          <a:effectLst/>
+                          <a:latin typeface="Calibri" panose="020F0502020204030204" pitchFamily="34" charset="0"/>
+                        </a:rPr>
+                        <a:t>5.8208E+23</a:t>
+                      </a:r>
+                    </a:p>
+                  </a:txBody>
+                  <a:tcPr marL="6350" marR="6350" marT="6350" marB="0" anchor="b"/>
+                </a:tc>
+                <a:tc>
+                  <a:txBody>
+                    <a:bodyPr/>
+                    <a:lstStyle/>
+                    <a:p>
+                      <a:pPr algn="r" fontAlgn="b"/>
+                      <a:r>
+                        <a:rPr lang="en-GB" sz="2000" b="0" i="0" u="none" strike="noStrike" dirty="0">
+                          <a:solidFill>
+                            <a:srgbClr val="000000"/>
+                          </a:solidFill>
+                          <a:effectLst/>
+                          <a:latin typeface="Calibri" panose="020F0502020204030204" pitchFamily="34" charset="0"/>
+                        </a:rPr>
+                        <a:t>1.2518E+23</a:t>
+                      </a:r>
+                    </a:p>
+                  </a:txBody>
+                  <a:tcPr marL="6350" marR="6350" marT="6350" marB="0" anchor="b"/>
+                </a:tc>
+                <a:tc>
+                  <a:txBody>
+                    <a:bodyPr/>
+                    <a:lstStyle/>
+                    <a:p>
+                      <a:pPr algn="r"/>
+                      <a:r>
+                        <a:rPr lang="nl-NL" sz="2000" dirty="0"/>
+                        <a:t>365%</a:t>
+                      </a:r>
+                      <a:endParaRPr lang="en-GB" sz="2000" dirty="0"/>
+                    </a:p>
+                  </a:txBody>
+                  <a:tcPr/>
+                </a:tc>
+                <a:extLst>
+                  <a:ext uri="{0D108BD9-81ED-4DB2-BD59-A6C34878D82A}">
+                    <a16:rowId xmlns:a16="http://schemas.microsoft.com/office/drawing/2014/main" val="1691327710"/>
+                  </a:ext>
+                </a:extLst>
+              </a:tr>
+              <a:tr h="468754">
+                <a:tc>
+                  <a:txBody>
+                    <a:bodyPr/>
+                    <a:lstStyle/>
+                    <a:p>
+                      <a:r>
+                        <a:rPr lang="nl-NL" sz="2000" dirty="0"/>
+                        <a:t>50</a:t>
+                      </a:r>
+                      <a:endParaRPr lang="en-GB" sz="2000" dirty="0"/>
+                    </a:p>
+                  </a:txBody>
+                  <a:tcPr/>
+                </a:tc>
+                <a:tc>
+                  <a:txBody>
+                    <a:bodyPr/>
+                    <a:lstStyle/>
+                    <a:p>
+                      <a:pPr algn="r" fontAlgn="b"/>
+                      <a:r>
+                        <a:rPr lang="en-GB" sz="2000" b="0" i="0" u="none" strike="noStrike" dirty="0">
+                          <a:solidFill>
+                            <a:srgbClr val="000000"/>
+                          </a:solidFill>
+                          <a:effectLst/>
+                          <a:latin typeface="Calibri" panose="020F0502020204030204" pitchFamily="34" charset="0"/>
+                        </a:rPr>
+                        <a:t>3.5527E+33</a:t>
+                      </a:r>
+                    </a:p>
+                  </a:txBody>
+                  <a:tcPr marL="6350" marR="6350" marT="6350" marB="0" anchor="b"/>
+                </a:tc>
+                <a:tc>
+                  <a:txBody>
+                    <a:bodyPr/>
+                    <a:lstStyle/>
+                    <a:p>
+                      <a:pPr algn="r" fontAlgn="b"/>
+                      <a:r>
+                        <a:rPr lang="en-GB" sz="2000" b="0" i="0" u="none" strike="noStrike" dirty="0">
+                          <a:solidFill>
+                            <a:srgbClr val="000000"/>
+                          </a:solidFill>
+                          <a:effectLst/>
+                          <a:latin typeface="Calibri" panose="020F0502020204030204" pitchFamily="34" charset="0"/>
+                        </a:rPr>
+                        <a:t>3.8242E+32</a:t>
+                      </a:r>
+                    </a:p>
+                  </a:txBody>
+                  <a:tcPr marL="6350" marR="6350" marT="6350" marB="0" anchor="b"/>
+                </a:tc>
+                <a:tc>
+                  <a:txBody>
+                    <a:bodyPr/>
+                    <a:lstStyle/>
+                    <a:p>
+                      <a:pPr algn="r"/>
+                      <a:r>
+                        <a:rPr lang="nl-NL" sz="2000" dirty="0"/>
+                        <a:t>829%</a:t>
+                      </a:r>
+                      <a:endParaRPr lang="en-GB" sz="2000" dirty="0"/>
+                    </a:p>
+                  </a:txBody>
+                  <a:tcPr/>
+                </a:tc>
+                <a:extLst>
+                  <a:ext uri="{0D108BD9-81ED-4DB2-BD59-A6C34878D82A}">
+                    <a16:rowId xmlns:a16="http://schemas.microsoft.com/office/drawing/2014/main" val="3253964174"/>
+                  </a:ext>
+                </a:extLst>
+              </a:tr>
+            </a:tbl>
+          </a:graphicData>
+        </a:graphic>
+      </p:graphicFrame>
+      <p:sp>
+        <p:nvSpPr>
+          <p:cNvPr id="5" name="Tijdelijke aanduiding voor dianummer 4">
+            <a:extLst>
+              <a:ext uri="{FF2B5EF4-FFF2-40B4-BE49-F238E27FC236}">
+                <a16:creationId xmlns:a16="http://schemas.microsoft.com/office/drawing/2014/main" id="{8967B587-15AF-47FE-8C37-6D2252D45E36}"/>
+              </a:ext>
+            </a:extLst>
+          </p:cNvPr>
+          <p:cNvSpPr>
+            <a:spLocks noGrp="1"/>
+          </p:cNvSpPr>
+          <p:nvPr>
+            <p:ph type="sldNum" sz="quarter" idx="12"/>
+          </p:nvPr>
+        </p:nvSpPr>
+        <p:spPr/>
+        <p:txBody>
+          <a:bodyPr/>
+          <a:lstStyle/>
+          <a:p>
+            <a:fld id="{D1892F8F-5571-E246-B053-E27A62D47BEF}" type="slidenum">
+              <a:rPr lang="en-GB" smtClean="0"/>
+              <a:t>14</a:t>
+            </a:fld>
+            <a:endParaRPr lang="en-GB"/>
+          </a:p>
+        </p:txBody>
+      </p:sp>
+    </p:spTree>
+    <p:extLst>
+      <p:ext uri="{BB962C8B-B14F-4D97-AF65-F5344CB8AC3E}">
+        <p14:creationId xmlns:p14="http://schemas.microsoft.com/office/powerpoint/2010/main" val="1362988284"/>
+      </p:ext>
+    </p:extLst>
+  </p:cSld>
+  <p:clrMapOvr>
+    <a:masterClrMapping/>
+  </p:clrMapOvr>
+</p:sld>
+</file>
+
+<file path=ppt/slides/slide15.xml><?xml version="1.0" encoding="utf-8"?>
+<p:sld xmlns:a="http://schemas.openxmlformats.org/drawingml/2006/main" xmlns:r="http://schemas.openxmlformats.org/officeDocument/2006/relationships" xmlns:p="http://schemas.openxmlformats.org/presentationml/2006/main">
+  <p:cSld>
+    <p:spTree>
+      <p:nvGrpSpPr>
+        <p:cNvPr id="1" name=""/>
+        <p:cNvGrpSpPr/>
+        <p:nvPr/>
+      </p:nvGrpSpPr>
+      <p:grpSpPr>
+        <a:xfrm>
+          <a:off x="0" y="0"/>
+          <a:ext cx="0" cy="0"/>
+          <a:chOff x="0" y="0"/>
+          <a:chExt cx="0" cy="0"/>
+        </a:xfrm>
+      </p:grpSpPr>
+      <p:sp>
+        <p:nvSpPr>
+          <p:cNvPr id="2" name="Titel 1">
+            <a:extLst>
+              <a:ext uri="{FF2B5EF4-FFF2-40B4-BE49-F238E27FC236}">
                 <a16:creationId xmlns:a16="http://schemas.microsoft.com/office/drawing/2014/main" id="{8FC0DEB9-A548-4D2E-B3EA-7FE0AD303E6E}"/>
               </a:ext>
             </a:extLst>
@@ -5094,42 +5623,12 @@
           <a:p>
             <a:fld id="{D1892F8F-5571-E246-B053-E27A62D47BEF}" type="slidenum">
               <a:rPr lang="en-GB" smtClean="0"/>
-              <a:t>14</a:t>
+              <a:t>15</a:t>
             </a:fld>
             <a:endParaRPr lang="en-GB"/>
           </a:p>
         </p:txBody>
       </p:sp>
-      <p:pic>
-        <p:nvPicPr>
-          <p:cNvPr id="7" name="Afbeelding 6">
-            <a:extLst>
-              <a:ext uri="{FF2B5EF4-FFF2-40B4-BE49-F238E27FC236}">
-                <a16:creationId xmlns:a16="http://schemas.microsoft.com/office/drawing/2014/main" id="{4B9F09AF-7B28-4C4E-9E5F-8210CE81B402}"/>
-              </a:ext>
-            </a:extLst>
-          </p:cNvPr>
-          <p:cNvPicPr>
-            <a:picLocks noChangeAspect="1"/>
-          </p:cNvPicPr>
-          <p:nvPr/>
-        </p:nvPicPr>
-        <p:blipFill>
-          <a:blip r:embed="rId3"/>
-          <a:stretch>
-            <a:fillRect/>
-          </a:stretch>
-        </p:blipFill>
-        <p:spPr>
-          <a:xfrm>
-            <a:off x="6677643" y="2539507"/>
-            <a:ext cx="4712051" cy="3816843"/>
-          </a:xfrm>
-          <a:prstGeom prst="rect">
-            <a:avLst/>
-          </a:prstGeom>
-        </p:spPr>
-      </p:pic>
       <p:sp>
         <p:nvSpPr>
           <p:cNvPr id="8" name="Tekstvak 7">
@@ -5192,209 +5691,6 @@
           </a:p>
         </p:txBody>
       </p:sp>
-      <p:pic>
-        <p:nvPicPr>
-          <p:cNvPr id="9" name="Afbeelding 8">
-            <a:extLst>
-              <a:ext uri="{FF2B5EF4-FFF2-40B4-BE49-F238E27FC236}">
-                <a16:creationId xmlns:a16="http://schemas.microsoft.com/office/drawing/2014/main" id="{3E693E47-EFBE-45D3-88E1-757D84B055E7}"/>
-              </a:ext>
-            </a:extLst>
-          </p:cNvPr>
-          <p:cNvPicPr>
-            <a:picLocks noChangeAspect="1"/>
-          </p:cNvPicPr>
-          <p:nvPr/>
-        </p:nvPicPr>
-        <p:blipFill>
-          <a:blip r:embed="rId4"/>
-          <a:stretch>
-            <a:fillRect/>
-          </a:stretch>
-        </p:blipFill>
-        <p:spPr>
-          <a:xfrm>
-            <a:off x="6677643" y="2788822"/>
-            <a:ext cx="4712051" cy="3567527"/>
-          </a:xfrm>
-          <a:prstGeom prst="rect">
-            <a:avLst/>
-          </a:prstGeom>
-        </p:spPr>
-      </p:pic>
-      <p:pic>
-        <p:nvPicPr>
-          <p:cNvPr id="10" name="Tijdelijke aanduiding voor inhoud 7" descr="Afbeelding met tekst, kaart&#10;&#10;Automatisch gegenereerde beschrijving">
-            <a:extLst>
-              <a:ext uri="{FF2B5EF4-FFF2-40B4-BE49-F238E27FC236}">
-                <a16:creationId xmlns:a16="http://schemas.microsoft.com/office/drawing/2014/main" id="{ED443178-AF0C-4DE9-9181-4CEBD405636E}"/>
-              </a:ext>
-            </a:extLst>
-          </p:cNvPr>
-          <p:cNvPicPr>
-            <a:picLocks noGrp="1" noChangeAspect="1"/>
-          </p:cNvPicPr>
-          <p:nvPr>
-            <p:ph sz="half" idx="1"/>
-          </p:nvPr>
-        </p:nvPicPr>
-        <p:blipFill>
-          <a:blip r:embed="rId5"/>
-          <a:stretch>
-            <a:fillRect/>
-          </a:stretch>
-        </p:blipFill>
-        <p:spPr>
-          <a:xfrm>
-            <a:off x="6762388" y="2539506"/>
-            <a:ext cx="4542562" cy="3816844"/>
-          </a:xfrm>
-        </p:spPr>
-      </p:pic>
-      <p:sp>
-        <p:nvSpPr>
-          <p:cNvPr id="12" name="Tekstvak 11">
-            <a:extLst>
-              <a:ext uri="{FF2B5EF4-FFF2-40B4-BE49-F238E27FC236}">
-                <a16:creationId xmlns:a16="http://schemas.microsoft.com/office/drawing/2014/main" id="{976E9576-0C42-4A8D-8043-6B6E4A430EC9}"/>
-              </a:ext>
-            </a:extLst>
-          </p:cNvPr>
-          <p:cNvSpPr txBox="1"/>
-          <p:nvPr/>
-        </p:nvSpPr>
-        <p:spPr>
-          <a:xfrm>
-            <a:off x="7599802" y="1808373"/>
-            <a:ext cx="4419408" cy="523220"/>
-          </a:xfrm>
-          <a:prstGeom prst="rect">
-            <a:avLst/>
-          </a:prstGeom>
-          <a:noFill/>
-        </p:spPr>
-        <p:txBody>
-          <a:bodyPr wrap="square" rtlCol="0">
-            <a:spAutoFit/>
-          </a:bodyPr>
-          <a:lstStyle/>
-          <a:p>
-            <a:r>
-              <a:rPr lang="nl-NL" sz="2800" dirty="0" err="1"/>
-              <a:t>Protein</a:t>
-            </a:r>
-            <a:r>
-              <a:rPr lang="nl-NL" sz="2800" dirty="0"/>
-              <a:t> </a:t>
-            </a:r>
-            <a:r>
-              <a:rPr lang="nl-NL" sz="2800" dirty="0" err="1"/>
-              <a:t>length</a:t>
-            </a:r>
-            <a:r>
-              <a:rPr lang="nl-NL" sz="2800" dirty="0"/>
-              <a:t>: 20 </a:t>
-            </a:r>
-            <a:endParaRPr lang="en-GB" sz="2800" dirty="0"/>
-          </a:p>
-        </p:txBody>
-      </p:sp>
-      <p:sp>
-        <p:nvSpPr>
-          <p:cNvPr id="13" name="Tekstvak 12">
-            <a:extLst>
-              <a:ext uri="{FF2B5EF4-FFF2-40B4-BE49-F238E27FC236}">
-                <a16:creationId xmlns:a16="http://schemas.microsoft.com/office/drawing/2014/main" id="{59DEC54E-0BA4-4F73-B283-ED07B6DE4C02}"/>
-              </a:ext>
-            </a:extLst>
-          </p:cNvPr>
-          <p:cNvSpPr txBox="1"/>
-          <p:nvPr/>
-        </p:nvSpPr>
-        <p:spPr>
-          <a:xfrm>
-            <a:off x="7599802" y="1808372"/>
-            <a:ext cx="4419408" cy="523220"/>
-          </a:xfrm>
-          <a:prstGeom prst="rect">
-            <a:avLst/>
-          </a:prstGeom>
-          <a:noFill/>
-        </p:spPr>
-        <p:txBody>
-          <a:bodyPr wrap="square" rtlCol="0">
-            <a:spAutoFit/>
-          </a:bodyPr>
-          <a:lstStyle/>
-          <a:p>
-            <a:r>
-              <a:rPr lang="nl-NL" sz="2800" dirty="0" err="1"/>
-              <a:t>Protein</a:t>
-            </a:r>
-            <a:r>
-              <a:rPr lang="nl-NL" sz="2800" dirty="0"/>
-              <a:t> </a:t>
-            </a:r>
-            <a:r>
-              <a:rPr lang="nl-NL" sz="2800" dirty="0" err="1"/>
-              <a:t>length</a:t>
-            </a:r>
-            <a:r>
-              <a:rPr lang="nl-NL" sz="2800" dirty="0"/>
-              <a:t>: 36 </a:t>
-            </a:r>
-            <a:endParaRPr lang="en-GB" sz="2800" dirty="0"/>
-          </a:p>
-        </p:txBody>
-      </p:sp>
-      <p:sp>
-        <p:nvSpPr>
-          <p:cNvPr id="14" name="Tekstvak 13">
-            <a:extLst>
-              <a:ext uri="{FF2B5EF4-FFF2-40B4-BE49-F238E27FC236}">
-                <a16:creationId xmlns:a16="http://schemas.microsoft.com/office/drawing/2014/main" id="{334C5399-EADC-4E2B-B106-B7F8879DB8DB}"/>
-              </a:ext>
-            </a:extLst>
-          </p:cNvPr>
-          <p:cNvSpPr txBox="1"/>
-          <p:nvPr/>
-        </p:nvSpPr>
-        <p:spPr>
-          <a:xfrm>
-            <a:off x="7599802" y="1802625"/>
-            <a:ext cx="4419408" cy="523220"/>
-          </a:xfrm>
-          <a:prstGeom prst="rect">
-            <a:avLst/>
-          </a:prstGeom>
-          <a:noFill/>
-        </p:spPr>
-        <p:txBody>
-          <a:bodyPr wrap="square" rtlCol="0">
-            <a:spAutoFit/>
-          </a:bodyPr>
-          <a:lstStyle/>
-          <a:p>
-            <a:r>
-              <a:rPr lang="nl-NL" sz="2800" dirty="0" err="1"/>
-              <a:t>Protein</a:t>
-            </a:r>
-            <a:r>
-              <a:rPr lang="nl-NL" sz="2800" dirty="0"/>
-              <a:t> </a:t>
-            </a:r>
-            <a:r>
-              <a:rPr lang="nl-NL" sz="2800" dirty="0" err="1"/>
-              <a:t>length</a:t>
-            </a:r>
-            <a:r>
-              <a:rPr lang="nl-NL" sz="2800" dirty="0"/>
-              <a:t>: 50 </a:t>
-            </a:r>
-            <a:endParaRPr lang="en-GB" sz="2800" dirty="0"/>
-          </a:p>
-        </p:txBody>
-      </p:sp>
       <p:sp>
         <p:nvSpPr>
           <p:cNvPr id="15" name="Tekstvak 14">
@@ -5447,6 +5743,162 @@
           </a:p>
         </p:txBody>
       </p:sp>
+      <p:sp>
+        <p:nvSpPr>
+          <p:cNvPr id="3" name="Rechthoek 2">
+            <a:extLst>
+              <a:ext uri="{FF2B5EF4-FFF2-40B4-BE49-F238E27FC236}">
+                <a16:creationId xmlns:a16="http://schemas.microsoft.com/office/drawing/2014/main" id="{0EC43B8D-6B6C-4421-BFC4-AE7A4697F0D6}"/>
+              </a:ext>
+            </a:extLst>
+          </p:cNvPr>
+          <p:cNvSpPr/>
+          <p:nvPr/>
+        </p:nvSpPr>
+        <p:spPr>
+          <a:xfrm>
+            <a:off x="976045" y="3501270"/>
+            <a:ext cx="1140431" cy="248797"/>
+          </a:xfrm>
+          <a:prstGeom prst="rect">
+            <a:avLst/>
+          </a:prstGeom>
+          <a:noFill/>
+          <a:ln w="38100">
+            <a:solidFill>
+              <a:srgbClr val="00B0F0"/>
+            </a:solidFill>
+          </a:ln>
+        </p:spPr>
+        <p:style>
+          <a:lnRef idx="2">
+            <a:schemeClr val="accent1">
+              <a:shade val="50000"/>
+            </a:schemeClr>
+          </a:lnRef>
+          <a:fillRef idx="1">
+            <a:schemeClr val="accent1"/>
+          </a:fillRef>
+          <a:effectRef idx="0">
+            <a:schemeClr val="accent1"/>
+          </a:effectRef>
+          <a:fontRef idx="minor">
+            <a:schemeClr val="lt1"/>
+          </a:fontRef>
+        </p:style>
+        <p:txBody>
+          <a:bodyPr rtlCol="0" anchor="ctr"/>
+          <a:lstStyle/>
+          <a:p>
+            <a:pPr algn="ctr"/>
+            <a:endParaRPr lang="en-GB"/>
+          </a:p>
+        </p:txBody>
+      </p:sp>
+      <p:sp>
+        <p:nvSpPr>
+          <p:cNvPr id="16" name="Rechthoek 15">
+            <a:extLst>
+              <a:ext uri="{FF2B5EF4-FFF2-40B4-BE49-F238E27FC236}">
+                <a16:creationId xmlns:a16="http://schemas.microsoft.com/office/drawing/2014/main" id="{519D5520-0F62-49B6-979D-09D3978ECC08}"/>
+              </a:ext>
+            </a:extLst>
+          </p:cNvPr>
+          <p:cNvSpPr/>
+          <p:nvPr/>
+        </p:nvSpPr>
+        <p:spPr>
+          <a:xfrm>
+            <a:off x="976045" y="4222679"/>
+            <a:ext cx="1140431" cy="248797"/>
+          </a:xfrm>
+          <a:prstGeom prst="rect">
+            <a:avLst/>
+          </a:prstGeom>
+          <a:noFill/>
+          <a:ln w="38100">
+            <a:solidFill>
+              <a:srgbClr val="00B0F0"/>
+            </a:solidFill>
+          </a:ln>
+        </p:spPr>
+        <p:style>
+          <a:lnRef idx="2">
+            <a:schemeClr val="accent1">
+              <a:shade val="50000"/>
+            </a:schemeClr>
+          </a:lnRef>
+          <a:fillRef idx="1">
+            <a:schemeClr val="accent1"/>
+          </a:fillRef>
+          <a:effectRef idx="0">
+            <a:schemeClr val="accent1"/>
+          </a:effectRef>
+          <a:fontRef idx="minor">
+            <a:schemeClr val="lt1"/>
+          </a:fontRef>
+        </p:style>
+        <p:txBody>
+          <a:bodyPr rtlCol="0" anchor="ctr"/>
+          <a:lstStyle/>
+          <a:p>
+            <a:pPr algn="ctr"/>
+            <a:endParaRPr lang="en-GB"/>
+          </a:p>
+        </p:txBody>
+      </p:sp>
+      <p:sp>
+        <p:nvSpPr>
+          <p:cNvPr id="17" name="Rechthoek 16">
+            <a:extLst>
+              <a:ext uri="{FF2B5EF4-FFF2-40B4-BE49-F238E27FC236}">
+                <a16:creationId xmlns:a16="http://schemas.microsoft.com/office/drawing/2014/main" id="{0A6594DC-FE92-4AC1-910B-F92E165362F9}"/>
+              </a:ext>
+            </a:extLst>
+          </p:cNvPr>
+          <p:cNvSpPr/>
+          <p:nvPr/>
+        </p:nvSpPr>
+        <p:spPr>
+          <a:xfrm>
+            <a:off x="976044" y="4977129"/>
+            <a:ext cx="1140431" cy="248797"/>
+          </a:xfrm>
+          <a:prstGeom prst="rect">
+            <a:avLst/>
+          </a:prstGeom>
+          <a:noFill/>
+          <a:ln w="38100">
+            <a:solidFill>
+              <a:srgbClr val="00B0F0"/>
+            </a:solidFill>
+          </a:ln>
+        </p:spPr>
+        <p:style>
+          <a:lnRef idx="2">
+            <a:schemeClr val="accent1">
+              <a:shade val="50000"/>
+            </a:schemeClr>
+          </a:lnRef>
+          <a:fillRef idx="1">
+            <a:schemeClr val="accent1"/>
+          </a:fillRef>
+          <a:effectRef idx="0">
+            <a:schemeClr val="accent1"/>
+          </a:effectRef>
+          <a:fontRef idx="minor">
+            <a:schemeClr val="lt1"/>
+          </a:fontRef>
+        </p:style>
+        <p:txBody>
+          <a:bodyPr rtlCol="0" anchor="ctr"/>
+          <a:lstStyle/>
+          <a:p>
+            <a:pPr algn="ctr"/>
+            <a:endParaRPr lang="en-GB"/>
+          </a:p>
+        </p:txBody>
+      </p:sp>
     </p:spTree>
     <p:extLst>
       <p:ext uri="{BB962C8B-B14F-4D97-AF65-F5344CB8AC3E}">
@@ -5457,317 +5909,10 @@
   <p:clrMapOvr>
     <a:masterClrMapping/>
   </p:clrMapOvr>
-  <p:timing>
-    <p:tnLst>
-      <p:par>
-        <p:cTn id="1" dur="indefinite" restart="never" nodeType="tmRoot">
-          <p:childTnLst>
-            <p:seq concurrent="1" nextAc="seek">
-              <p:cTn id="2" dur="indefinite" nodeType="mainSeq">
-                <p:childTnLst>
-                  <p:par>
-                    <p:cTn id="3" fill="hold">
-                      <p:stCondLst>
-                        <p:cond delay="indefinite"/>
-                      </p:stCondLst>
-                      <p:childTnLst>
-                        <p:par>
-                          <p:cTn id="4" fill="hold">
-                            <p:stCondLst>
-                              <p:cond delay="0"/>
-                            </p:stCondLst>
-                            <p:childTnLst>
-                              <p:par>
-                                <p:cTn id="5" presetID="1" presetClass="entr" presetSubtype="0" fill="hold" nodeType="clickEffect">
-                                  <p:stCondLst>
-                                    <p:cond delay="0"/>
-                                  </p:stCondLst>
-                                  <p:childTnLst>
-                                    <p:set>
-                                      <p:cBhvr>
-                                        <p:cTn id="6" dur="1" fill="hold">
-                                          <p:stCondLst>
-                                            <p:cond delay="0"/>
-                                          </p:stCondLst>
-                                        </p:cTn>
-                                        <p:tgtEl>
-                                          <p:spTgt spid="7"/>
-                                        </p:tgtEl>
-                                        <p:attrNameLst>
-                                          <p:attrName>style.visibility</p:attrName>
-                                        </p:attrNameLst>
-                                      </p:cBhvr>
-                                      <p:to>
-                                        <p:strVal val="visible"/>
-                                      </p:to>
-                                    </p:set>
-                                  </p:childTnLst>
-                                </p:cTn>
-                              </p:par>
-                              <p:par>
-                                <p:cTn id="7" presetID="1" presetClass="entr" presetSubtype="0" fill="hold" grpId="0" nodeType="withEffect">
-                                  <p:stCondLst>
-                                    <p:cond delay="0"/>
-                                  </p:stCondLst>
-                                  <p:childTnLst>
-                                    <p:set>
-                                      <p:cBhvr>
-                                        <p:cTn id="8" dur="1" fill="hold">
-                                          <p:stCondLst>
-                                            <p:cond delay="0"/>
-                                          </p:stCondLst>
-                                        </p:cTn>
-                                        <p:tgtEl>
-                                          <p:spTgt spid="12"/>
-                                        </p:tgtEl>
-                                        <p:attrNameLst>
-                                          <p:attrName>style.visibility</p:attrName>
-                                        </p:attrNameLst>
-                                      </p:cBhvr>
-                                      <p:to>
-                                        <p:strVal val="visible"/>
-                                      </p:to>
-                                    </p:set>
-                                  </p:childTnLst>
-                                </p:cTn>
-                              </p:par>
-                            </p:childTnLst>
-                          </p:cTn>
-                        </p:par>
-                      </p:childTnLst>
-                    </p:cTn>
-                  </p:par>
-                  <p:par>
-                    <p:cTn id="9" fill="hold">
-                      <p:stCondLst>
-                        <p:cond delay="indefinite"/>
-                      </p:stCondLst>
-                      <p:childTnLst>
-                        <p:par>
-                          <p:cTn id="10" fill="hold">
-                            <p:stCondLst>
-                              <p:cond delay="0"/>
-                            </p:stCondLst>
-                            <p:childTnLst>
-                              <p:par>
-                                <p:cTn id="11" presetID="1" presetClass="entr" presetSubtype="0" fill="hold" nodeType="clickEffect">
-                                  <p:stCondLst>
-                                    <p:cond delay="0"/>
-                                  </p:stCondLst>
-                                  <p:childTnLst>
-                                    <p:set>
-                                      <p:cBhvr>
-                                        <p:cTn id="12" dur="1" fill="hold">
-                                          <p:stCondLst>
-                                            <p:cond delay="0"/>
-                                          </p:stCondLst>
-                                        </p:cTn>
-                                        <p:tgtEl>
-                                          <p:spTgt spid="9"/>
-                                        </p:tgtEl>
-                                        <p:attrNameLst>
-                                          <p:attrName>style.visibility</p:attrName>
-                                        </p:attrNameLst>
-                                      </p:cBhvr>
-                                      <p:to>
-                                        <p:strVal val="visible"/>
-                                      </p:to>
-                                    </p:set>
-                                  </p:childTnLst>
-                                </p:cTn>
-                              </p:par>
-                              <p:par>
-                                <p:cTn id="13" presetID="1" presetClass="exit" presetSubtype="0" fill="hold" grpId="1" nodeType="withEffect">
-                                  <p:stCondLst>
-                                    <p:cond delay="0"/>
-                                  </p:stCondLst>
-                                  <p:childTnLst>
-                                    <p:set>
-                                      <p:cBhvr>
-                                        <p:cTn id="14" dur="1" fill="hold">
-                                          <p:stCondLst>
-                                            <p:cond delay="0"/>
-                                          </p:stCondLst>
-                                        </p:cTn>
-                                        <p:tgtEl>
-                                          <p:spTgt spid="12"/>
-                                        </p:tgtEl>
-                                        <p:attrNameLst>
-                                          <p:attrName>style.visibility</p:attrName>
-                                        </p:attrNameLst>
-                                      </p:cBhvr>
-                                      <p:to>
-                                        <p:strVal val="hidden"/>
-                                      </p:to>
-                                    </p:set>
-                                  </p:childTnLst>
-                                </p:cTn>
-                              </p:par>
-                              <p:par>
-                                <p:cTn id="15" presetID="1" presetClass="entr" presetSubtype="0" fill="hold" grpId="0" nodeType="withEffect">
-                                  <p:stCondLst>
-                                    <p:cond delay="0"/>
-                                  </p:stCondLst>
-                                  <p:childTnLst>
-                                    <p:set>
-                                      <p:cBhvr>
-                                        <p:cTn id="16" dur="1" fill="hold">
-                                          <p:stCondLst>
-                                            <p:cond delay="0"/>
-                                          </p:stCondLst>
-                                        </p:cTn>
-                                        <p:tgtEl>
-                                          <p:spTgt spid="13"/>
-                                        </p:tgtEl>
-                                        <p:attrNameLst>
-                                          <p:attrName>style.visibility</p:attrName>
-                                        </p:attrNameLst>
-                                      </p:cBhvr>
-                                      <p:to>
-                                        <p:strVal val="visible"/>
-                                      </p:to>
-                                    </p:set>
-                                  </p:childTnLst>
-                                </p:cTn>
-                              </p:par>
-                            </p:childTnLst>
-                          </p:cTn>
-                        </p:par>
-                      </p:childTnLst>
-                    </p:cTn>
-                  </p:par>
-                  <p:par>
-                    <p:cTn id="17" fill="hold">
-                      <p:stCondLst>
-                        <p:cond delay="indefinite"/>
-                      </p:stCondLst>
-                      <p:childTnLst>
-                        <p:par>
-                          <p:cTn id="18" fill="hold">
-                            <p:stCondLst>
-                              <p:cond delay="0"/>
-                            </p:stCondLst>
-                            <p:childTnLst>
-                              <p:par>
-                                <p:cTn id="19" presetID="1" presetClass="entr" presetSubtype="0" fill="hold" nodeType="clickEffect">
-                                  <p:stCondLst>
-                                    <p:cond delay="0"/>
-                                  </p:stCondLst>
-                                  <p:childTnLst>
-                                    <p:set>
-                                      <p:cBhvr>
-                                        <p:cTn id="20" dur="1" fill="hold">
-                                          <p:stCondLst>
-                                            <p:cond delay="0"/>
-                                          </p:stCondLst>
-                                        </p:cTn>
-                                        <p:tgtEl>
-                                          <p:spTgt spid="10"/>
-                                        </p:tgtEl>
-                                        <p:attrNameLst>
-                                          <p:attrName>style.visibility</p:attrName>
-                                        </p:attrNameLst>
-                                      </p:cBhvr>
-                                      <p:to>
-                                        <p:strVal val="visible"/>
-                                      </p:to>
-                                    </p:set>
-                                  </p:childTnLst>
-                                </p:cTn>
-                              </p:par>
-                              <p:par>
-                                <p:cTn id="21" presetID="1" presetClass="exit" presetSubtype="0" fill="hold" grpId="1" nodeType="withEffect">
-                                  <p:stCondLst>
-                                    <p:cond delay="0"/>
-                                  </p:stCondLst>
-                                  <p:childTnLst>
-                                    <p:set>
-                                      <p:cBhvr>
-                                        <p:cTn id="22" dur="1" fill="hold">
-                                          <p:stCondLst>
-                                            <p:cond delay="0"/>
-                                          </p:stCondLst>
-                                        </p:cTn>
-                                        <p:tgtEl>
-                                          <p:spTgt spid="13"/>
-                                        </p:tgtEl>
-                                        <p:attrNameLst>
-                                          <p:attrName>style.visibility</p:attrName>
-                                        </p:attrNameLst>
-                                      </p:cBhvr>
-                                      <p:to>
-                                        <p:strVal val="hidden"/>
-                                      </p:to>
-                                    </p:set>
-                                  </p:childTnLst>
-                                </p:cTn>
-                              </p:par>
-                              <p:par>
-                                <p:cTn id="23" presetID="1" presetClass="entr" presetSubtype="0" fill="hold" grpId="0" nodeType="withEffect">
-                                  <p:stCondLst>
-                                    <p:cond delay="0"/>
-                                  </p:stCondLst>
-                                  <p:childTnLst>
-                                    <p:set>
-                                      <p:cBhvr>
-                                        <p:cTn id="24" dur="1" fill="hold">
-                                          <p:stCondLst>
-                                            <p:cond delay="0"/>
-                                          </p:stCondLst>
-                                        </p:cTn>
-                                        <p:tgtEl>
-                                          <p:spTgt spid="14"/>
-                                        </p:tgtEl>
-                                        <p:attrNameLst>
-                                          <p:attrName>style.visibility</p:attrName>
-                                        </p:attrNameLst>
-                                      </p:cBhvr>
-                                      <p:to>
-                                        <p:strVal val="visible"/>
-                                      </p:to>
-                                    </p:set>
-                                  </p:childTnLst>
-                                </p:cTn>
-                              </p:par>
-                            </p:childTnLst>
-                          </p:cTn>
-                        </p:par>
-                      </p:childTnLst>
-                    </p:cTn>
-                  </p:par>
-                </p:childTnLst>
-              </p:cTn>
-              <p:prevCondLst>
-                <p:cond evt="onPrev" delay="0">
-                  <p:tgtEl>
-                    <p:sldTgt/>
-                  </p:tgtEl>
-                </p:cond>
-              </p:prevCondLst>
-              <p:nextCondLst>
-                <p:cond evt="onNext" delay="0">
-                  <p:tgtEl>
-                    <p:sldTgt/>
-                  </p:tgtEl>
-                </p:cond>
-              </p:nextCondLst>
-            </p:seq>
-          </p:childTnLst>
-        </p:cTn>
-      </p:par>
-    </p:tnLst>
-    <p:bldLst>
-      <p:bldP spid="12" grpId="0"/>
-      <p:bldP spid="12" grpId="1"/>
-      <p:bldP spid="13" grpId="0"/>
-      <p:bldP spid="13" grpId="1"/>
-      <p:bldP spid="14" grpId="0"/>
-    </p:bldLst>
-  </p:timing>
 </p:sld>
 </file>
 
-<file path=ppt/slides/slide15.xml><?xml version="1.0" encoding="utf-8"?>
+<file path=ppt/slides/slide16.xml><?xml version="1.0" encoding="utf-8"?>
 <p:sld xmlns:a="http://schemas.openxmlformats.org/drawingml/2006/main" xmlns:r="http://schemas.openxmlformats.org/officeDocument/2006/relationships" xmlns:p="http://schemas.openxmlformats.org/presentationml/2006/main">
   <p:cSld>
     <p:spTree>
@@ -6308,7 +6453,7 @@
           <a:p>
             <a:fld id="{D1892F8F-5571-E246-B053-E27A62D47BEF}" type="slidenum">
               <a:rPr lang="en-GB" smtClean="0"/>
-              <a:t>15</a:t>
+              <a:t>16</a:t>
             </a:fld>
             <a:endParaRPr lang="en-GB"/>
           </a:p>
@@ -6327,7 +6472,7 @@
 </p:sld>
 </file>
 
-<file path=ppt/slides/slide16.xml><?xml version="1.0" encoding="utf-8"?>
+<file path=ppt/slides/slide17.xml><?xml version="1.0" encoding="utf-8"?>
 <p:sld xmlns:a="http://schemas.openxmlformats.org/drawingml/2006/main" xmlns:r="http://schemas.openxmlformats.org/officeDocument/2006/relationships" xmlns:p="http://schemas.openxmlformats.org/presentationml/2006/main">
   <p:cSld>
     <p:spTree>
@@ -6684,7 +6829,7 @@
           <a:p>
             <a:fld id="{D1892F8F-5571-E246-B053-E27A62D47BEF}" type="slidenum">
               <a:rPr lang="en-GB" smtClean="0"/>
-              <a:t>16</a:t>
+              <a:t>17</a:t>
             </a:fld>
             <a:endParaRPr lang="en-GB"/>
           </a:p>
@@ -7736,7 +7881,7 @@
 </p:sld>
 </file>
 
-<file path=ppt/slides/slide17.xml><?xml version="1.0" encoding="utf-8"?>
+<file path=ppt/slides/slide18.xml><?xml version="1.0" encoding="utf-8"?>
 <p:sld xmlns:a="http://schemas.openxmlformats.org/drawingml/2006/main" xmlns:r="http://schemas.openxmlformats.org/officeDocument/2006/relationships" xmlns:p="http://schemas.openxmlformats.org/presentationml/2006/main">
   <p:cSld>
     <p:spTree>
@@ -7834,7 +7979,7 @@
           <a:p>
             <a:fld id="{D1892F8F-5571-E246-B053-E27A62D47BEF}" type="slidenum">
               <a:rPr lang="en-GB" smtClean="0"/>
-              <a:t>17</a:t>
+              <a:t>18</a:t>
             </a:fld>
             <a:endParaRPr lang="en-GB"/>
           </a:p>
